--- a/Documentation/Watson.pptx
+++ b/Documentation/Watson.pptx
@@ -224,7 +224,7 @@
           <a:p>
             <a:fld id="{4F66B955-9ABA-47D4-BA0F-43D209E6DE06}" type="datetimeFigureOut">
               <a:rPr lang="en-US" smtClean="0"/>
-              <a:t>1/21/2024</a:t>
+              <a:t>1/22/2024</a:t>
             </a:fld>
             <a:endParaRPr lang="en-US" dirty="0"/>
           </a:p>
@@ -7985,8 +7985,8 @@
           </a:p>
         </p:txBody>
       </p:sp>
-      <mc:AlternateContent xmlns:mc="http://schemas.openxmlformats.org/markup-compatibility/2006">
-        <mc:Choice xmlns:a14="http://schemas.microsoft.com/office/drawing/2010/main" Requires="a14">
+      <mc:AlternateContent xmlns:mc="http://schemas.openxmlformats.org/markup-compatibility/2006" xmlns:a14="http://schemas.microsoft.com/office/drawing/2010/main">
+        <mc:Choice Requires="a14">
           <p:sp>
             <p:nvSpPr>
               <p:cNvPr id="3" name="Content Placeholder 2">
@@ -8168,7 +8168,7 @@
             </p:txBody>
           </p:sp>
         </mc:Choice>
-        <mc:Fallback>
+        <mc:Fallback xmlns="">
           <p:sp>
             <p:nvSpPr>
               <p:cNvPr id="3" name="Content Placeholder 2">
@@ -9506,14 +9506,14 @@
             <a:pPr algn="just"/>
             <a:r>
               <a:rPr lang="en-US" sz="1800" dirty="0"/>
-              <a:t>For example, questions where were used specific words, unique details and specific time periods had a greater change to be answered correctly.</a:t>
+              <a:t>For example, questions where specific words, unique details and specific time periods were used had a greater change to be answered correctly.</a:t>
             </a:r>
           </a:p>
           <a:p>
             <a:pPr algn="just"/>
             <a:r>
               <a:rPr lang="en-US" sz="1800" dirty="0"/>
-              <a:t>Some of the wrong answers might be present because I did not properly clean the Wikipedia pages before indexing. Some of the headers were “See also”, “References”, etc. and they appear in almost every page.</a:t>
+              <a:t>Some of the wrong answers might be present because I did not properly clean the Wikipedia pages before indexing. </a:t>
             </a:r>
           </a:p>
           <a:p>
@@ -9657,7 +9657,15 @@
             <a:pPr algn="just"/>
             <a:r>
               <a:rPr lang="en-US" sz="1800" dirty="0"/>
-              <a:t>This improvement got me only one more correct answer, so now the P@1 is 32.</a:t>
+              <a:t>This improvement got me only one more correct answer, so now the P@1 </a:t>
+            </a:r>
+            <a:r>
+              <a:rPr lang="en-US" sz="1800"/>
+              <a:t>is 0.32</a:t>
+            </a:r>
+            <a:r>
+              <a:rPr lang="en-US" sz="1800" dirty="0"/>
+              <a:t>.</a:t>
             </a:r>
           </a:p>
           <a:p>
@@ -10266,15 +10274,6 @@
 </file>
 
 <file path=customXml/item1.xml><?xml version="1.0" encoding="utf-8"?>
-<?mso-contentType ?>
-<FormTemplates xmlns="http://schemas.microsoft.com/sharepoint/v3/contenttype/forms">
-  <Display>DocumentLibraryForm</Display>
-  <Edit>DocumentLibraryForm</Edit>
-  <New>DocumentLibraryForm</New>
-</FormTemplates>
-</file>
-
-<file path=customXml/item2.xml><?xml version="1.0" encoding="utf-8"?>
 <ct:contentTypeSchema xmlns:ct="http://schemas.microsoft.com/office/2006/metadata/contentType" xmlns:ma="http://schemas.microsoft.com/office/2006/metadata/properties/metaAttributes" ct:_="" ma:_="" ma:contentTypeName="Document" ma:contentTypeID="0x01010079F111ED35F8CC479449609E8A0923A6" ma:contentTypeVersion="24" ma:contentTypeDescription="Create a new document." ma:contentTypeScope="" ma:versionID="2d714a3296df14eba7a100bb665443ca">
   <xsd:schema xmlns:xsd="http://www.w3.org/2001/XMLSchema" xmlns:xs="http://www.w3.org/2001/XMLSchema" xmlns:p="http://schemas.microsoft.com/office/2006/metadata/properties" xmlns:ns1="http://schemas.microsoft.com/sharepoint/v3" xmlns:ns2="71af3243-3dd4-4a8d-8c0d-dd76da1f02a5" xmlns:ns3="16c05727-aa75-4e4a-9b5f-8a80a1165891" xmlns:ns4="230e9df3-be65-4c73-a93b-d1236ebd677e" targetNamespace="http://schemas.microsoft.com/office/2006/metadata/properties" ma:root="true" ma:fieldsID="49549bf45bfbbfb6cffed527380e77e1" ns1:_="" ns2:_="" ns3:_="" ns4:_="">
     <xsd:import namespace="http://schemas.microsoft.com/sharepoint/v3"/>
@@ -10562,6 +10561,15 @@
 </ct:contentTypeSchema>
 </file>
 
+<file path=customXml/item2.xml><?xml version="1.0" encoding="utf-8"?>
+<?mso-contentType ?>
+<FormTemplates xmlns="http://schemas.microsoft.com/sharepoint/v3/contenttype/forms">
+  <Display>DocumentLibraryForm</Display>
+  <Edit>DocumentLibraryForm</Edit>
+  <New>DocumentLibraryForm</New>
+</FormTemplates>
+</file>
+
 <file path=customXml/item3.xml><?xml version="1.0" encoding="utf-8"?>
 <p:properties xmlns:p="http://schemas.microsoft.com/office/2006/metadata/properties" xmlns:xsi="http://www.w3.org/2001/XMLSchema-instance" xmlns:pc="http://schemas.microsoft.com/office/infopath/2007/PartnerControls">
   <documentManagement>
@@ -10583,14 +10591,6 @@
 </file>
 
 <file path=customXml/itemProps1.xml><?xml version="1.0" encoding="utf-8"?>
-<ds:datastoreItem xmlns:ds="http://schemas.openxmlformats.org/officeDocument/2006/customXml" ds:itemID="{7FC2BBCC-A5B7-4DDE-8795-98160FD34D4E}">
-  <ds:schemaRefs>
-    <ds:schemaRef ds:uri="http://schemas.microsoft.com/sharepoint/v3/contenttype/forms"/>
-  </ds:schemaRefs>
-</ds:datastoreItem>
-</file>
-
-<file path=customXml/itemProps2.xml><?xml version="1.0" encoding="utf-8"?>
 <ds:datastoreItem xmlns:ds="http://schemas.openxmlformats.org/officeDocument/2006/customXml" ds:itemID="{45BF0FE3-3D8D-448F-9BC3-1FD016A85913}">
   <ds:schemaRefs>
     <ds:schemaRef ds:uri="http://schemas.microsoft.com/office/2006/metadata/contentType"/>
@@ -10611,6 +10611,14 @@
 </ds:datastoreItem>
 </file>
 
+<file path=customXml/itemProps2.xml><?xml version="1.0" encoding="utf-8"?>
+<ds:datastoreItem xmlns:ds="http://schemas.openxmlformats.org/officeDocument/2006/customXml" ds:itemID="{7FC2BBCC-A5B7-4DDE-8795-98160FD34D4E}">
+  <ds:schemaRefs>
+    <ds:schemaRef ds:uri="http://schemas.microsoft.com/sharepoint/v3/contenttype/forms"/>
+  </ds:schemaRefs>
+</ds:datastoreItem>
+</file>
+
 <file path=customXml/itemProps3.xml><?xml version="1.0" encoding="utf-8"?>
 <ds:datastoreItem xmlns:ds="http://schemas.openxmlformats.org/officeDocument/2006/customXml" ds:itemID="{63E2FB8F-FBDB-405A-A6AC-9CF7C859199D}">
   <ds:schemaRefs>
